--- a/figures/Ex Fig 1.pptx
+++ b/figures/Ex Fig 1.pptx
@@ -3430,9 +3430,8 @@
         </p:nvPicPr>
         <p:blipFill>
           <a:blip r:embed="rId3"/>
-          <a:stretch>
-            <a:fillRect/>
-          </a:stretch>
+          <a:srcRect/>
+          <a:stretch/>
         </p:blipFill>
         <p:spPr>
           <a:xfrm>
@@ -3442,6 +3441,9 @@
           <a:prstGeom prst="rect">
             <a:avLst/>
           </a:prstGeom>
+          <a:ln>
+            <a:noFill/>
+          </a:ln>
         </p:spPr>
       </p:pic>
       <p:sp>
@@ -3465,6 +3467,9 @@
             <a:avLst/>
           </a:prstGeom>
           <a:noFill/>
+          <a:ln>
+            <a:noFill/>
+          </a:ln>
         </p:spPr>
         <p:txBody>
           <a:bodyPr wrap="none" rtlCol="0">
@@ -3504,6 +3509,9 @@
             <a:avLst/>
           </a:prstGeom>
           <a:noFill/>
+          <a:ln>
+            <a:noFill/>
+          </a:ln>
         </p:spPr>
         <p:txBody>
           <a:bodyPr wrap="none" rtlCol="0">
@@ -3704,7 +3712,7 @@
         </p:nvSpPr>
         <p:spPr>
           <a:xfrm>
-            <a:off x="3242963" y="5243715"/>
+            <a:off x="3242963" y="5498704"/>
             <a:ext cx="930063" cy="246221"/>
           </a:xfrm>
           <a:prstGeom prst="rect">
@@ -3746,7 +3754,7 @@
         </p:nvSpPr>
         <p:spPr>
           <a:xfrm>
-            <a:off x="3561961" y="5487253"/>
+            <a:off x="3561961" y="5742242"/>
             <a:ext cx="611065" cy="246221"/>
           </a:xfrm>
           <a:prstGeom prst="rect">
@@ -3802,7 +3810,7 @@
         </p:nvSpPr>
         <p:spPr>
           <a:xfrm>
-            <a:off x="3561961" y="5730791"/>
+            <a:off x="3561961" y="5985780"/>
             <a:ext cx="611066" cy="246221"/>
           </a:xfrm>
           <a:prstGeom prst="rect">
@@ -3858,7 +3866,7 @@
         </p:nvSpPr>
         <p:spPr>
           <a:xfrm>
-            <a:off x="3618066" y="5980561"/>
+            <a:off x="3618066" y="6235550"/>
             <a:ext cx="554960" cy="246221"/>
           </a:xfrm>
           <a:prstGeom prst="rect">
@@ -3904,7 +3912,7 @@
         </p:nvSpPr>
         <p:spPr>
           <a:xfrm>
-            <a:off x="3610051" y="6226782"/>
+            <a:off x="3610051" y="6481771"/>
             <a:ext cx="562975" cy="246221"/>
           </a:xfrm>
           <a:prstGeom prst="rect">
@@ -4286,7 +4294,7 @@
         </p:nvSpPr>
         <p:spPr>
           <a:xfrm>
-            <a:off x="4396959" y="5241217"/>
+            <a:off x="4396959" y="5496206"/>
             <a:ext cx="1066863" cy="246221"/>
           </a:xfrm>
           <a:prstGeom prst="rect">
@@ -4305,7 +4313,7 @@
           <a:p>
             <a:pPr algn="ctr"/>
             <a:r>
-              <a:rPr lang="en-US" sz="1000" dirty="0">
+              <a:rPr lang="en-US" sz="1000" b="1" dirty="0">
                 <a:solidFill>
                   <a:srgbClr val="00B050"/>
                 </a:solidFill>
@@ -4331,7 +4339,7 @@
         </p:nvSpPr>
         <p:spPr>
           <a:xfrm>
-            <a:off x="5687753" y="5241217"/>
+            <a:off x="5687753" y="5496206"/>
             <a:ext cx="1066863" cy="246221"/>
           </a:xfrm>
           <a:prstGeom prst="rect">
@@ -4350,11 +4358,9 @@
           <a:p>
             <a:pPr algn="ctr"/>
             <a:r>
-              <a:rPr lang="en-US" sz="1000" dirty="0">
+              <a:rPr lang="en-US" sz="1000" b="1" dirty="0">
                 <a:solidFill>
-                  <a:schemeClr val="accent2">
-                    <a:lumMod val="75000"/>
-                  </a:schemeClr>
+                  <a:srgbClr val="B30000"/>
                 </a:solidFill>
                 <a:latin typeface="Arial" panose="020B0604020202020204" pitchFamily="34" charset="0"/>
                 <a:cs typeface="Arial" panose="020B0604020202020204" pitchFamily="34" charset="0"/>
@@ -4378,7 +4384,7 @@
         </p:nvSpPr>
         <p:spPr>
           <a:xfrm>
-            <a:off x="4396959" y="5487121"/>
+            <a:off x="4396959" y="5742110"/>
             <a:ext cx="1066863" cy="246221"/>
           </a:xfrm>
           <a:prstGeom prst="rect">
@@ -4420,7 +4426,7 @@
         </p:nvSpPr>
         <p:spPr>
           <a:xfrm>
-            <a:off x="5687753" y="5487121"/>
+            <a:off x="5687753" y="5742110"/>
             <a:ext cx="1066863" cy="246221"/>
           </a:xfrm>
           <a:prstGeom prst="rect">
@@ -4443,7 +4449,7 @@
                 <a:latin typeface="Arial" panose="020B0604020202020204" pitchFamily="34" charset="0"/>
                 <a:cs typeface="Arial" panose="020B0604020202020204" pitchFamily="34" charset="0"/>
               </a:rPr>
-              <a:t>False</a:t>
+              <a:t>0.60</a:t>
             </a:r>
           </a:p>
         </p:txBody>
@@ -4462,7 +4468,7 @@
         </p:nvSpPr>
         <p:spPr>
           <a:xfrm>
-            <a:off x="4396959" y="5741121"/>
+            <a:off x="4396959" y="5996110"/>
             <a:ext cx="1066863" cy="246221"/>
           </a:xfrm>
           <a:prstGeom prst="rect">
@@ -4504,7 +4510,7 @@
         </p:nvSpPr>
         <p:spPr>
           <a:xfrm>
-            <a:off x="5687753" y="5741121"/>
+            <a:off x="5687753" y="5996110"/>
             <a:ext cx="1066863" cy="246221"/>
           </a:xfrm>
           <a:prstGeom prst="rect">
@@ -4527,7 +4533,7 @@
                 <a:latin typeface="Arial" panose="020B0604020202020204" pitchFamily="34" charset="0"/>
                 <a:cs typeface="Arial" panose="020B0604020202020204" pitchFamily="34" charset="0"/>
               </a:rPr>
-              <a:t>False</a:t>
+              <a:t>–0.35</a:t>
             </a:r>
           </a:p>
         </p:txBody>
@@ -4546,7 +4552,7 @@
         </p:nvSpPr>
         <p:spPr>
           <a:xfrm>
-            <a:off x="4396959" y="5985596"/>
+            <a:off x="4396959" y="6240585"/>
             <a:ext cx="1066863" cy="246221"/>
           </a:xfrm>
           <a:prstGeom prst="rect">
@@ -4588,7 +4594,7 @@
         </p:nvSpPr>
         <p:spPr>
           <a:xfrm>
-            <a:off x="5687753" y="5985596"/>
+            <a:off x="5687753" y="6240585"/>
             <a:ext cx="1066863" cy="246221"/>
           </a:xfrm>
           <a:prstGeom prst="rect">
@@ -4611,7 +4617,7 @@
                 <a:latin typeface="Arial" panose="020B0604020202020204" pitchFamily="34" charset="0"/>
                 <a:cs typeface="Arial" panose="020B0604020202020204" pitchFamily="34" charset="0"/>
               </a:rPr>
-              <a:t>False</a:t>
+              <a:t>0.29</a:t>
             </a:r>
           </a:p>
         </p:txBody>
@@ -4630,7 +4636,7 @@
         </p:nvSpPr>
         <p:spPr>
           <a:xfrm>
-            <a:off x="4396959" y="6239596"/>
+            <a:off x="4396959" y="6494585"/>
             <a:ext cx="1066863" cy="246221"/>
           </a:xfrm>
           <a:prstGeom prst="rect">
@@ -4672,7 +4678,7 @@
         </p:nvSpPr>
         <p:spPr>
           <a:xfrm>
-            <a:off x="5687753" y="6239596"/>
+            <a:off x="5687753" y="6494585"/>
             <a:ext cx="1066863" cy="246221"/>
           </a:xfrm>
           <a:prstGeom prst="rect">
@@ -4695,7 +4701,133 @@
                 <a:latin typeface="Arial" panose="020B0604020202020204" pitchFamily="34" charset="0"/>
                 <a:cs typeface="Arial" panose="020B0604020202020204" pitchFamily="34" charset="0"/>
               </a:rPr>
-              <a:t>False</a:t>
+              <a:t>0.57</a:t>
+            </a:r>
+          </a:p>
+        </p:txBody>
+      </p:sp>
+      <p:sp>
+        <p:nvSpPr>
+          <p:cNvPr id="2" name="TextBox 1">
+            <a:extLst>
+              <a:ext uri="{FF2B5EF4-FFF2-40B4-BE49-F238E27FC236}">
+                <a16:creationId xmlns:a16="http://schemas.microsoft.com/office/drawing/2014/main" id="{BFBC948F-3FD2-9BB8-851A-3BF7C1CB7B28}"/>
+              </a:ext>
+            </a:extLst>
+          </p:cNvPr>
+          <p:cNvSpPr txBox="1"/>
+          <p:nvPr/>
+        </p:nvSpPr>
+        <p:spPr>
+          <a:xfrm>
+            <a:off x="3164417" y="5240999"/>
+            <a:ext cx="1008609" cy="246221"/>
+          </a:xfrm>
+          <a:prstGeom prst="rect">
+            <a:avLst/>
+          </a:prstGeom>
+          <a:noFill/>
+          <a:ln>
+            <a:noFill/>
+          </a:ln>
+        </p:spPr>
+        <p:txBody>
+          <a:bodyPr wrap="none" rtlCol="0">
+            <a:spAutoFit/>
+          </a:bodyPr>
+          <a:lstStyle/>
+          <a:p>
+            <a:pPr algn="r"/>
+            <a:r>
+              <a:rPr lang="en-US" sz="1000" b="1" dirty="0">
+                <a:latin typeface="Arial" panose="020B0604020202020204" pitchFamily="34" charset="0"/>
+                <a:cs typeface="Arial" panose="020B0604020202020204" pitchFamily="34" charset="0"/>
+              </a:rPr>
+              <a:t>Well-behaved</a:t>
+            </a:r>
+          </a:p>
+        </p:txBody>
+      </p:sp>
+      <p:sp>
+        <p:nvSpPr>
+          <p:cNvPr id="7" name="TextBox 6">
+            <a:extLst>
+              <a:ext uri="{FF2B5EF4-FFF2-40B4-BE49-F238E27FC236}">
+                <a16:creationId xmlns:a16="http://schemas.microsoft.com/office/drawing/2014/main" id="{D67F2899-4569-EC88-39DD-1AEEC13351E4}"/>
+              </a:ext>
+            </a:extLst>
+          </p:cNvPr>
+          <p:cNvSpPr txBox="1"/>
+          <p:nvPr/>
+        </p:nvSpPr>
+        <p:spPr>
+          <a:xfrm>
+            <a:off x="4396959" y="5245601"/>
+            <a:ext cx="1066863" cy="246221"/>
+          </a:xfrm>
+          <a:prstGeom prst="rect">
+            <a:avLst/>
+          </a:prstGeom>
+          <a:noFill/>
+          <a:ln>
+            <a:noFill/>
+          </a:ln>
+        </p:spPr>
+        <p:txBody>
+          <a:bodyPr wrap="square" rtlCol="0">
+            <a:spAutoFit/>
+          </a:bodyPr>
+          <a:lstStyle/>
+          <a:p>
+            <a:pPr algn="ctr"/>
+            <a:r>
+              <a:rPr lang="en-US" sz="1000" dirty="0">
+                <a:latin typeface="Arial" panose="020B0604020202020204" pitchFamily="34" charset="0"/>
+                <a:cs typeface="Arial" panose="020B0604020202020204" pitchFamily="34" charset="0"/>
+              </a:rPr>
+              <a:t>True</a:t>
+            </a:r>
+          </a:p>
+        </p:txBody>
+      </p:sp>
+      <p:sp>
+        <p:nvSpPr>
+          <p:cNvPr id="10" name="TextBox 9">
+            <a:extLst>
+              <a:ext uri="{FF2B5EF4-FFF2-40B4-BE49-F238E27FC236}">
+                <a16:creationId xmlns:a16="http://schemas.microsoft.com/office/drawing/2014/main" id="{5C7CD941-051B-72BA-4EE0-F4DC1A5993AD}"/>
+              </a:ext>
+            </a:extLst>
+          </p:cNvPr>
+          <p:cNvSpPr txBox="1"/>
+          <p:nvPr/>
+        </p:nvSpPr>
+        <p:spPr>
+          <a:xfrm>
+            <a:off x="5687753" y="5245601"/>
+            <a:ext cx="1066863" cy="246221"/>
+          </a:xfrm>
+          <a:prstGeom prst="rect">
+            <a:avLst/>
+          </a:prstGeom>
+          <a:noFill/>
+          <a:ln>
+            <a:noFill/>
+          </a:ln>
+        </p:spPr>
+        <p:txBody>
+          <a:bodyPr wrap="square" rtlCol="0">
+            <a:spAutoFit/>
+          </a:bodyPr>
+          <a:lstStyle/>
+          <a:p>
+            <a:pPr algn="ctr"/>
+            <a:r>
+              <a:rPr lang="en-US" sz="1000" dirty="0">
+                <a:latin typeface="Arial" panose="020B0604020202020204" pitchFamily="34" charset="0"/>
+                <a:cs typeface="Arial" panose="020B0604020202020204" pitchFamily="34" charset="0"/>
+              </a:rPr>
+              <a:t>True</a:t>
             </a:r>
           </a:p>
         </p:txBody>

--- a/figures/Ex Fig 1.pptx
+++ b/figures/Ex Fig 1.pptx
@@ -3866,8 +3866,8 @@
         </p:nvSpPr>
         <p:spPr>
           <a:xfrm>
-            <a:off x="3618066" y="6235550"/>
-            <a:ext cx="554960" cy="246221"/>
+            <a:off x="3390439" y="6235550"/>
+            <a:ext cx="782587" cy="246221"/>
           </a:xfrm>
           <a:prstGeom prst="rect">
             <a:avLst/>
@@ -3889,7 +3889,7 @@
                 <a:latin typeface="Arial" panose="020B0604020202020204" pitchFamily="34" charset="0"/>
                 <a:cs typeface="Arial" panose="020B0604020202020204" pitchFamily="34" charset="0"/>
               </a:rPr>
-              <a:t>RCVQ</a:t>
+              <a:t>log RCVQ</a:t>
             </a:r>
             <a:endParaRPr lang="en-US" sz="1000" b="1" baseline="-25000" dirty="0">
               <a:latin typeface="Arial" panose="020B0604020202020204" pitchFamily="34" charset="0"/>
@@ -3912,8 +3912,8 @@
         </p:nvSpPr>
         <p:spPr>
           <a:xfrm>
-            <a:off x="3610051" y="6481771"/>
-            <a:ext cx="562975" cy="246221"/>
+            <a:off x="3382425" y="6481771"/>
+            <a:ext cx="790601" cy="246221"/>
           </a:xfrm>
           <a:prstGeom prst="rect">
             <a:avLst/>
@@ -3935,7 +3935,7 @@
                 <a:latin typeface="Arial" panose="020B0604020202020204" pitchFamily="34" charset="0"/>
                 <a:cs typeface="Arial" panose="020B0604020202020204" pitchFamily="34" charset="0"/>
               </a:rPr>
-              <a:t>RCVM</a:t>
+              <a:t>log RCVM</a:t>
             </a:r>
             <a:endParaRPr lang="en-US" sz="1000" b="1" baseline="-25000" dirty="0">
               <a:latin typeface="Arial" panose="020B0604020202020204" pitchFamily="34" charset="0"/>

--- a/figures/Ex Fig 1.pptx
+++ b/figures/Ex Fig 1.pptx
@@ -197,7 +197,7 @@
           <a:p>
             <a:fld id="{B19977C2-3852-6343-8FB6-75798599EF47}" type="datetimeFigureOut">
               <a:rPr lang="en-US" smtClean="0"/>
-              <a:t>9/5/24</a:t>
+              <a:t>9/6/24</a:t>
             </a:fld>
             <a:endParaRPr lang="en-US"/>
           </a:p>
@@ -684,7 +684,7 @@
           <a:p>
             <a:fld id="{49D16157-31ED-214D-A6E8-583A2FDE31BF}" type="datetimeFigureOut">
               <a:rPr lang="en-US" smtClean="0"/>
-              <a:t>9/5/24</a:t>
+              <a:t>9/6/24</a:t>
             </a:fld>
             <a:endParaRPr lang="en-US"/>
           </a:p>
@@ -854,7 +854,7 @@
           <a:p>
             <a:fld id="{49D16157-31ED-214D-A6E8-583A2FDE31BF}" type="datetimeFigureOut">
               <a:rPr lang="en-US" smtClean="0"/>
-              <a:t>9/5/24</a:t>
+              <a:t>9/6/24</a:t>
             </a:fld>
             <a:endParaRPr lang="en-US"/>
           </a:p>
@@ -1034,7 +1034,7 @@
           <a:p>
             <a:fld id="{49D16157-31ED-214D-A6E8-583A2FDE31BF}" type="datetimeFigureOut">
               <a:rPr lang="en-US" smtClean="0"/>
-              <a:t>9/5/24</a:t>
+              <a:t>9/6/24</a:t>
             </a:fld>
             <a:endParaRPr lang="en-US"/>
           </a:p>
@@ -1204,7 +1204,7 @@
           <a:p>
             <a:fld id="{49D16157-31ED-214D-A6E8-583A2FDE31BF}" type="datetimeFigureOut">
               <a:rPr lang="en-US" smtClean="0"/>
-              <a:t>9/5/24</a:t>
+              <a:t>9/6/24</a:t>
             </a:fld>
             <a:endParaRPr lang="en-US"/>
           </a:p>
@@ -1450,7 +1450,7 @@
           <a:p>
             <a:fld id="{49D16157-31ED-214D-A6E8-583A2FDE31BF}" type="datetimeFigureOut">
               <a:rPr lang="en-US" smtClean="0"/>
-              <a:t>9/5/24</a:t>
+              <a:t>9/6/24</a:t>
             </a:fld>
             <a:endParaRPr lang="en-US"/>
           </a:p>
@@ -1682,7 +1682,7 @@
           <a:p>
             <a:fld id="{49D16157-31ED-214D-A6E8-583A2FDE31BF}" type="datetimeFigureOut">
               <a:rPr lang="en-US" smtClean="0"/>
-              <a:t>9/5/24</a:t>
+              <a:t>9/6/24</a:t>
             </a:fld>
             <a:endParaRPr lang="en-US"/>
           </a:p>
@@ -2049,7 +2049,7 @@
           <a:p>
             <a:fld id="{49D16157-31ED-214D-A6E8-583A2FDE31BF}" type="datetimeFigureOut">
               <a:rPr lang="en-US" smtClean="0"/>
-              <a:t>9/5/24</a:t>
+              <a:t>9/6/24</a:t>
             </a:fld>
             <a:endParaRPr lang="en-US"/>
           </a:p>
@@ -2167,7 +2167,7 @@
           <a:p>
             <a:fld id="{49D16157-31ED-214D-A6E8-583A2FDE31BF}" type="datetimeFigureOut">
               <a:rPr lang="en-US" smtClean="0"/>
-              <a:t>9/5/24</a:t>
+              <a:t>9/6/24</a:t>
             </a:fld>
             <a:endParaRPr lang="en-US"/>
           </a:p>
@@ -2262,7 +2262,7 @@
           <a:p>
             <a:fld id="{49D16157-31ED-214D-A6E8-583A2FDE31BF}" type="datetimeFigureOut">
               <a:rPr lang="en-US" smtClean="0"/>
-              <a:t>9/5/24</a:t>
+              <a:t>9/6/24</a:t>
             </a:fld>
             <a:endParaRPr lang="en-US"/>
           </a:p>
@@ -2539,7 +2539,7 @@
           <a:p>
             <a:fld id="{49D16157-31ED-214D-A6E8-583A2FDE31BF}" type="datetimeFigureOut">
               <a:rPr lang="en-US" smtClean="0"/>
-              <a:t>9/5/24</a:t>
+              <a:t>9/6/24</a:t>
             </a:fld>
             <a:endParaRPr lang="en-US"/>
           </a:p>
@@ -2796,7 +2796,7 @@
           <a:p>
             <a:fld id="{49D16157-31ED-214D-A6E8-583A2FDE31BF}" type="datetimeFigureOut">
               <a:rPr lang="en-US" smtClean="0"/>
-              <a:t>9/5/24</a:t>
+              <a:t>9/6/24</a:t>
             </a:fld>
             <a:endParaRPr lang="en-US"/>
           </a:p>
@@ -3009,7 +3009,7 @@
           <a:p>
             <a:fld id="{49D16157-31ED-214D-A6E8-583A2FDE31BF}" type="datetimeFigureOut">
               <a:rPr lang="en-US" smtClean="0"/>
-              <a:t>9/5/24</a:t>
+              <a:t>9/6/24</a:t>
             </a:fld>
             <a:endParaRPr lang="en-US"/>
           </a:p>
@@ -4571,12 +4571,16 @@
           <a:p>
             <a:pPr algn="ctr"/>
             <a:r>
-              <a:rPr lang="en-US" sz="1000" dirty="0">
+              <a:rPr lang="en-US" sz="1000" dirty="0" err="1">
                 <a:latin typeface="Arial" panose="020B0604020202020204" pitchFamily="34" charset="0"/>
                 <a:cs typeface="Arial" panose="020B0604020202020204" pitchFamily="34" charset="0"/>
               </a:rPr>
-              <a:t>0</a:t>
-            </a:r>
+              <a:t>NaN</a:t>
+            </a:r>
+            <a:endParaRPr lang="en-US" sz="1000" dirty="0">
+              <a:latin typeface="Arial" panose="020B0604020202020204" pitchFamily="34" charset="0"/>
+              <a:cs typeface="Arial" panose="020B0604020202020204" pitchFamily="34" charset="0"/>
+            </a:endParaRPr>
           </a:p>
         </p:txBody>
       </p:sp>
@@ -4655,12 +4659,16 @@
           <a:p>
             <a:pPr algn="ctr"/>
             <a:r>
-              <a:rPr lang="en-US" sz="1000" dirty="0">
+              <a:rPr lang="en-US" sz="1000" dirty="0" err="1">
                 <a:latin typeface="Arial" panose="020B0604020202020204" pitchFamily="34" charset="0"/>
                 <a:cs typeface="Arial" panose="020B0604020202020204" pitchFamily="34" charset="0"/>
               </a:rPr>
-              <a:t>0</a:t>
-            </a:r>
+              <a:t>NaN</a:t>
+            </a:r>
+            <a:endParaRPr lang="en-US" sz="1000" dirty="0">
+              <a:latin typeface="Arial" panose="020B0604020202020204" pitchFamily="34" charset="0"/>
+              <a:cs typeface="Arial" panose="020B0604020202020204" pitchFamily="34" charset="0"/>
+            </a:endParaRPr>
           </a:p>
         </p:txBody>
       </p:sp>

--- a/figures/Ex Fig 1.pptx
+++ b/figures/Ex Fig 1.pptx
@@ -197,7 +197,7 @@
           <a:p>
             <a:fld id="{B19977C2-3852-6343-8FB6-75798599EF47}" type="datetimeFigureOut">
               <a:rPr lang="en-US" smtClean="0"/>
-              <a:t>9/6/24</a:t>
+              <a:t>9/12/24</a:t>
             </a:fld>
             <a:endParaRPr lang="en-US"/>
           </a:p>
@@ -684,7 +684,7 @@
           <a:p>
             <a:fld id="{49D16157-31ED-214D-A6E8-583A2FDE31BF}" type="datetimeFigureOut">
               <a:rPr lang="en-US" smtClean="0"/>
-              <a:t>9/6/24</a:t>
+              <a:t>9/12/24</a:t>
             </a:fld>
             <a:endParaRPr lang="en-US"/>
           </a:p>
@@ -854,7 +854,7 @@
           <a:p>
             <a:fld id="{49D16157-31ED-214D-A6E8-583A2FDE31BF}" type="datetimeFigureOut">
               <a:rPr lang="en-US" smtClean="0"/>
-              <a:t>9/6/24</a:t>
+              <a:t>9/12/24</a:t>
             </a:fld>
             <a:endParaRPr lang="en-US"/>
           </a:p>
@@ -1034,7 +1034,7 @@
           <a:p>
             <a:fld id="{49D16157-31ED-214D-A6E8-583A2FDE31BF}" type="datetimeFigureOut">
               <a:rPr lang="en-US" smtClean="0"/>
-              <a:t>9/6/24</a:t>
+              <a:t>9/12/24</a:t>
             </a:fld>
             <a:endParaRPr lang="en-US"/>
           </a:p>
@@ -1204,7 +1204,7 @@
           <a:p>
             <a:fld id="{49D16157-31ED-214D-A6E8-583A2FDE31BF}" type="datetimeFigureOut">
               <a:rPr lang="en-US" smtClean="0"/>
-              <a:t>9/6/24</a:t>
+              <a:t>9/12/24</a:t>
             </a:fld>
             <a:endParaRPr lang="en-US"/>
           </a:p>
@@ -1450,7 +1450,7 @@
           <a:p>
             <a:fld id="{49D16157-31ED-214D-A6E8-583A2FDE31BF}" type="datetimeFigureOut">
               <a:rPr lang="en-US" smtClean="0"/>
-              <a:t>9/6/24</a:t>
+              <a:t>9/12/24</a:t>
             </a:fld>
             <a:endParaRPr lang="en-US"/>
           </a:p>
@@ -1682,7 +1682,7 @@
           <a:p>
             <a:fld id="{49D16157-31ED-214D-A6E8-583A2FDE31BF}" type="datetimeFigureOut">
               <a:rPr lang="en-US" smtClean="0"/>
-              <a:t>9/6/24</a:t>
+              <a:t>9/12/24</a:t>
             </a:fld>
             <a:endParaRPr lang="en-US"/>
           </a:p>
@@ -2049,7 +2049,7 @@
           <a:p>
             <a:fld id="{49D16157-31ED-214D-A6E8-583A2FDE31BF}" type="datetimeFigureOut">
               <a:rPr lang="en-US" smtClean="0"/>
-              <a:t>9/6/24</a:t>
+              <a:t>9/12/24</a:t>
             </a:fld>
             <a:endParaRPr lang="en-US"/>
           </a:p>
@@ -2167,7 +2167,7 @@
           <a:p>
             <a:fld id="{49D16157-31ED-214D-A6E8-583A2FDE31BF}" type="datetimeFigureOut">
               <a:rPr lang="en-US" smtClean="0"/>
-              <a:t>9/6/24</a:t>
+              <a:t>9/12/24</a:t>
             </a:fld>
             <a:endParaRPr lang="en-US"/>
           </a:p>
@@ -2262,7 +2262,7 @@
           <a:p>
             <a:fld id="{49D16157-31ED-214D-A6E8-583A2FDE31BF}" type="datetimeFigureOut">
               <a:rPr lang="en-US" smtClean="0"/>
-              <a:t>9/6/24</a:t>
+              <a:t>9/12/24</a:t>
             </a:fld>
             <a:endParaRPr lang="en-US"/>
           </a:p>
@@ -2539,7 +2539,7 @@
           <a:p>
             <a:fld id="{49D16157-31ED-214D-A6E8-583A2FDE31BF}" type="datetimeFigureOut">
               <a:rPr lang="en-US" smtClean="0"/>
-              <a:t>9/6/24</a:t>
+              <a:t>9/12/24</a:t>
             </a:fld>
             <a:endParaRPr lang="en-US"/>
           </a:p>
@@ -2796,7 +2796,7 @@
           <a:p>
             <a:fld id="{49D16157-31ED-214D-A6E8-583A2FDE31BF}" type="datetimeFigureOut">
               <a:rPr lang="en-US" smtClean="0"/>
-              <a:t>9/6/24</a:t>
+              <a:t>9/12/24</a:t>
             </a:fld>
             <a:endParaRPr lang="en-US"/>
           </a:p>
@@ -3009,7 +3009,7 @@
           <a:p>
             <a:fld id="{49D16157-31ED-214D-A6E8-583A2FDE31BF}" type="datetimeFigureOut">
               <a:rPr lang="en-US" smtClean="0"/>
-              <a:t>9/6/24</a:t>
+              <a:t>9/12/24</a:t>
             </a:fld>
             <a:endParaRPr lang="en-US"/>
           </a:p>
@@ -3712,7 +3712,7 @@
         </p:nvSpPr>
         <p:spPr>
           <a:xfrm>
-            <a:off x="3242963" y="5498704"/>
+            <a:off x="3242963" y="6526390"/>
             <a:ext cx="930063" cy="246221"/>
           </a:xfrm>
           <a:prstGeom prst="rect">
@@ -3754,8 +3754,8 @@
         </p:nvSpPr>
         <p:spPr>
           <a:xfrm>
-            <a:off x="3561961" y="5742242"/>
-            <a:ext cx="611065" cy="246221"/>
+            <a:off x="3610051" y="5497995"/>
+            <a:ext cx="562975" cy="246221"/>
           </a:xfrm>
           <a:prstGeom prst="rect">
             <a:avLst/>
@@ -3787,11 +3787,11 @@
               <a:t>L</a:t>
             </a:r>
             <a:r>
-              <a:rPr lang="en-US" sz="1000" b="1" baseline="-25000" dirty="0">
+              <a:rPr lang="en-US" sz="1000" b="1" i="1" baseline="-25000" dirty="0">
                 <a:latin typeface="Arial" panose="020B0604020202020204" pitchFamily="34" charset="0"/>
                 <a:cs typeface="Arial" panose="020B0604020202020204" pitchFamily="34" charset="0"/>
               </a:rPr>
-              <a:t>1/2</a:t>
+              <a:t>i/j</a:t>
             </a:r>
           </a:p>
         </p:txBody>
@@ -3810,8 +3810,8 @@
         </p:nvSpPr>
         <p:spPr>
           <a:xfrm>
-            <a:off x="3561961" y="5985780"/>
-            <a:ext cx="611066" cy="246221"/>
+            <a:off x="3610052" y="5741533"/>
+            <a:ext cx="562975" cy="246221"/>
           </a:xfrm>
           <a:prstGeom prst="rect">
             <a:avLst/>
@@ -3843,11 +3843,11 @@
               <a:t>F</a:t>
             </a:r>
             <a:r>
-              <a:rPr lang="en-US" sz="1000" b="1" baseline="-25000" dirty="0">
+              <a:rPr lang="en-US" sz="1000" b="1" i="1" baseline="-25000" dirty="0">
                 <a:latin typeface="Arial" panose="020B0604020202020204" pitchFamily="34" charset="0"/>
                 <a:cs typeface="Arial" panose="020B0604020202020204" pitchFamily="34" charset="0"/>
               </a:rPr>
-              <a:t>1/2</a:t>
+              <a:t>i/j</a:t>
             </a:r>
           </a:p>
         </p:txBody>
@@ -3866,7 +3866,7 @@
         </p:nvSpPr>
         <p:spPr>
           <a:xfrm>
-            <a:off x="3390439" y="6235550"/>
+            <a:off x="3390439" y="5991303"/>
             <a:ext cx="782587" cy="246221"/>
           </a:xfrm>
           <a:prstGeom prst="rect">
@@ -3912,7 +3912,7 @@
         </p:nvSpPr>
         <p:spPr>
           <a:xfrm>
-            <a:off x="3382425" y="6481771"/>
+            <a:off x="3382425" y="6237524"/>
             <a:ext cx="790601" cy="246221"/>
           </a:xfrm>
           <a:prstGeom prst="rect">
@@ -4230,6 +4230,9 @@
             <a:pPr algn="ctr"/>
             <a:r>
               <a:rPr lang="en-US" sz="1000" dirty="0">
+                <a:solidFill>
+                  <a:srgbClr val="00B050"/>
+                </a:solidFill>
                 <a:latin typeface="Arial" panose="020B0604020202020204" pitchFamily="34" charset="0"/>
                 <a:cs typeface="Arial" panose="020B0604020202020204" pitchFamily="34" charset="0"/>
               </a:rPr>
@@ -4272,6 +4275,9 @@
             <a:pPr algn="ctr"/>
             <a:r>
               <a:rPr lang="en-US" sz="1000" dirty="0">
+                <a:solidFill>
+                  <a:srgbClr val="C00000"/>
+                </a:solidFill>
                 <a:latin typeface="Arial" panose="020B0604020202020204" pitchFamily="34" charset="0"/>
                 <a:cs typeface="Arial" panose="020B0604020202020204" pitchFamily="34" charset="0"/>
               </a:rPr>
@@ -4294,13 +4300,17 @@
         </p:nvSpPr>
         <p:spPr>
           <a:xfrm>
-            <a:off x="4396959" y="5496206"/>
+            <a:off x="4396959" y="6523892"/>
             <a:ext cx="1066863" cy="246221"/>
           </a:xfrm>
           <a:prstGeom prst="rect">
             <a:avLst/>
           </a:prstGeom>
-          <a:noFill/>
+          <a:solidFill>
+            <a:srgbClr val="00B050">
+              <a:alpha val="50196"/>
+            </a:srgbClr>
+          </a:solidFill>
           <a:ln>
             <a:noFill/>
           </a:ln>
@@ -4314,9 +4324,6 @@
             <a:pPr algn="ctr"/>
             <a:r>
               <a:rPr lang="en-US" sz="1000" b="1" dirty="0">
-                <a:solidFill>
-                  <a:srgbClr val="00B050"/>
-                </a:solidFill>
                 <a:latin typeface="Arial" panose="020B0604020202020204" pitchFamily="34" charset="0"/>
                 <a:cs typeface="Arial" panose="020B0604020202020204" pitchFamily="34" charset="0"/>
               </a:rPr>
@@ -4339,13 +4346,17 @@
         </p:nvSpPr>
         <p:spPr>
           <a:xfrm>
-            <a:off x="5687753" y="5496206"/>
+            <a:off x="5687753" y="6523892"/>
             <a:ext cx="1066863" cy="246221"/>
           </a:xfrm>
           <a:prstGeom prst="rect">
             <a:avLst/>
           </a:prstGeom>
-          <a:noFill/>
+          <a:solidFill>
+            <a:srgbClr val="B30000">
+              <a:alpha val="50196"/>
+            </a:srgbClr>
+          </a:solidFill>
           <a:ln>
             <a:noFill/>
           </a:ln>
@@ -4359,9 +4370,6 @@
             <a:pPr algn="ctr"/>
             <a:r>
               <a:rPr lang="en-US" sz="1000" b="1" dirty="0">
-                <a:solidFill>
-                  <a:srgbClr val="B30000"/>
-                </a:solidFill>
                 <a:latin typeface="Arial" panose="020B0604020202020204" pitchFamily="34" charset="0"/>
                 <a:cs typeface="Arial" panose="020B0604020202020204" pitchFamily="34" charset="0"/>
               </a:rPr>
@@ -4384,7 +4392,7 @@
         </p:nvSpPr>
         <p:spPr>
           <a:xfrm>
-            <a:off x="4396959" y="5742110"/>
+            <a:off x="4396959" y="5497863"/>
             <a:ext cx="1066863" cy="246221"/>
           </a:xfrm>
           <a:prstGeom prst="rect">
@@ -4404,6 +4412,9 @@
             <a:pPr algn="ctr"/>
             <a:r>
               <a:rPr lang="en-US" sz="1000" dirty="0">
+                <a:solidFill>
+                  <a:srgbClr val="00B050"/>
+                </a:solidFill>
                 <a:latin typeface="Arial" panose="020B0604020202020204" pitchFamily="34" charset="0"/>
                 <a:cs typeface="Arial" panose="020B0604020202020204" pitchFamily="34" charset="0"/>
               </a:rPr>
@@ -4426,7 +4437,7 @@
         </p:nvSpPr>
         <p:spPr>
           <a:xfrm>
-            <a:off x="5687753" y="5742110"/>
+            <a:off x="5687753" y="5497863"/>
             <a:ext cx="1066863" cy="246221"/>
           </a:xfrm>
           <a:prstGeom prst="rect">
@@ -4446,6 +4457,9 @@
             <a:pPr algn="ctr"/>
             <a:r>
               <a:rPr lang="en-US" sz="1000" dirty="0">
+                <a:solidFill>
+                  <a:srgbClr val="B30000"/>
+                </a:solidFill>
                 <a:latin typeface="Arial" panose="020B0604020202020204" pitchFamily="34" charset="0"/>
                 <a:cs typeface="Arial" panose="020B0604020202020204" pitchFamily="34" charset="0"/>
               </a:rPr>
@@ -4468,7 +4482,7 @@
         </p:nvSpPr>
         <p:spPr>
           <a:xfrm>
-            <a:off x="4396959" y="5996110"/>
+            <a:off x="4396959" y="5751863"/>
             <a:ext cx="1066863" cy="246221"/>
           </a:xfrm>
           <a:prstGeom prst="rect">
@@ -4488,6 +4502,9 @@
             <a:pPr algn="ctr"/>
             <a:r>
               <a:rPr lang="en-US" sz="1000" dirty="0">
+                <a:solidFill>
+                  <a:srgbClr val="00B050"/>
+                </a:solidFill>
                 <a:latin typeface="Arial" panose="020B0604020202020204" pitchFamily="34" charset="0"/>
                 <a:cs typeface="Arial" panose="020B0604020202020204" pitchFamily="34" charset="0"/>
               </a:rPr>
@@ -4510,7 +4527,7 @@
         </p:nvSpPr>
         <p:spPr>
           <a:xfrm>
-            <a:off x="5687753" y="5996110"/>
+            <a:off x="5687753" y="5751863"/>
             <a:ext cx="1066863" cy="246221"/>
           </a:xfrm>
           <a:prstGeom prst="rect">
@@ -4530,6 +4547,9 @@
             <a:pPr algn="ctr"/>
             <a:r>
               <a:rPr lang="en-US" sz="1000" dirty="0">
+                <a:solidFill>
+                  <a:srgbClr val="B30000"/>
+                </a:solidFill>
                 <a:latin typeface="Arial" panose="020B0604020202020204" pitchFamily="34" charset="0"/>
                 <a:cs typeface="Arial" panose="020B0604020202020204" pitchFamily="34" charset="0"/>
               </a:rPr>
@@ -4552,7 +4572,7 @@
         </p:nvSpPr>
         <p:spPr>
           <a:xfrm>
-            <a:off x="4396959" y="6240585"/>
+            <a:off x="4396959" y="5996338"/>
             <a:ext cx="1066863" cy="246221"/>
           </a:xfrm>
           <a:prstGeom prst="rect">
@@ -4572,12 +4592,18 @@
             <a:pPr algn="ctr"/>
             <a:r>
               <a:rPr lang="en-US" sz="1000" dirty="0" err="1">
+                <a:solidFill>
+                  <a:srgbClr val="00B050"/>
+                </a:solidFill>
                 <a:latin typeface="Arial" panose="020B0604020202020204" pitchFamily="34" charset="0"/>
                 <a:cs typeface="Arial" panose="020B0604020202020204" pitchFamily="34" charset="0"/>
               </a:rPr>
               <a:t>NaN</a:t>
             </a:r>
             <a:endParaRPr lang="en-US" sz="1000" dirty="0">
+              <a:solidFill>
+                <a:srgbClr val="00B050"/>
+              </a:solidFill>
               <a:latin typeface="Arial" panose="020B0604020202020204" pitchFamily="34" charset="0"/>
               <a:cs typeface="Arial" panose="020B0604020202020204" pitchFamily="34" charset="0"/>
             </a:endParaRPr>
@@ -4598,7 +4624,7 @@
         </p:nvSpPr>
         <p:spPr>
           <a:xfrm>
-            <a:off x="5687753" y="6240585"/>
+            <a:off x="5687753" y="5996338"/>
             <a:ext cx="1066863" cy="246221"/>
           </a:xfrm>
           <a:prstGeom prst="rect">
@@ -4618,6 +4644,9 @@
             <a:pPr algn="ctr"/>
             <a:r>
               <a:rPr lang="en-US" sz="1000" dirty="0">
+                <a:solidFill>
+                  <a:srgbClr val="B30000"/>
+                </a:solidFill>
                 <a:latin typeface="Arial" panose="020B0604020202020204" pitchFamily="34" charset="0"/>
                 <a:cs typeface="Arial" panose="020B0604020202020204" pitchFamily="34" charset="0"/>
               </a:rPr>
@@ -4640,7 +4669,7 @@
         </p:nvSpPr>
         <p:spPr>
           <a:xfrm>
-            <a:off x="4396959" y="6494585"/>
+            <a:off x="4396959" y="6250338"/>
             <a:ext cx="1066863" cy="246221"/>
           </a:xfrm>
           <a:prstGeom prst="rect">
@@ -4660,12 +4689,18 @@
             <a:pPr algn="ctr"/>
             <a:r>
               <a:rPr lang="en-US" sz="1000" dirty="0" err="1">
+                <a:solidFill>
+                  <a:srgbClr val="00B050"/>
+                </a:solidFill>
                 <a:latin typeface="Arial" panose="020B0604020202020204" pitchFamily="34" charset="0"/>
                 <a:cs typeface="Arial" panose="020B0604020202020204" pitchFamily="34" charset="0"/>
               </a:rPr>
               <a:t>NaN</a:t>
             </a:r>
             <a:endParaRPr lang="en-US" sz="1000" dirty="0">
+              <a:solidFill>
+                <a:srgbClr val="00B050"/>
+              </a:solidFill>
               <a:latin typeface="Arial" panose="020B0604020202020204" pitchFamily="34" charset="0"/>
               <a:cs typeface="Arial" panose="020B0604020202020204" pitchFamily="34" charset="0"/>
             </a:endParaRPr>
@@ -4686,7 +4721,7 @@
         </p:nvSpPr>
         <p:spPr>
           <a:xfrm>
-            <a:off x="5687753" y="6494585"/>
+            <a:off x="5687753" y="6250338"/>
             <a:ext cx="1066863" cy="246221"/>
           </a:xfrm>
           <a:prstGeom prst="rect">
@@ -4706,6 +4741,9 @@
             <a:pPr algn="ctr"/>
             <a:r>
               <a:rPr lang="en-US" sz="1000" dirty="0">
+                <a:solidFill>
+                  <a:srgbClr val="B30000"/>
+                </a:solidFill>
                 <a:latin typeface="Arial" panose="020B0604020202020204" pitchFamily="34" charset="0"/>
                 <a:cs typeface="Arial" panose="020B0604020202020204" pitchFamily="34" charset="0"/>
               </a:rPr>
@@ -4790,6 +4828,9 @@
             <a:pPr algn="ctr"/>
             <a:r>
               <a:rPr lang="en-US" sz="1000" dirty="0">
+                <a:solidFill>
+                  <a:srgbClr val="00B050"/>
+                </a:solidFill>
                 <a:latin typeface="Arial" panose="020B0604020202020204" pitchFamily="34" charset="0"/>
                 <a:cs typeface="Arial" panose="020B0604020202020204" pitchFamily="34" charset="0"/>
               </a:rPr>
@@ -4832,6 +4873,9 @@
             <a:pPr algn="ctr"/>
             <a:r>
               <a:rPr lang="en-US" sz="1000" dirty="0">
+                <a:solidFill>
+                  <a:srgbClr val="00B050"/>
+                </a:solidFill>
                 <a:latin typeface="Arial" panose="020B0604020202020204" pitchFamily="34" charset="0"/>
                 <a:cs typeface="Arial" panose="020B0604020202020204" pitchFamily="34" charset="0"/>
               </a:rPr>
